--- a/Proyecto DRLW(02-04-2020).pptx
+++ b/Proyecto DRLW(02-04-2020).pptx
@@ -9,9 +9,9 @@
   </p:notesMasterIdLst>
   <p:sldIdLst>
     <p:sldId id="256" r:id="rId2"/>
-    <p:sldId id="257" r:id="rId3"/>
-    <p:sldId id="258" r:id="rId4"/>
-    <p:sldId id="259" r:id="rId5"/>
+    <p:sldId id="258" r:id="rId3"/>
+    <p:sldId id="259" r:id="rId4"/>
+    <p:sldId id="260" r:id="rId5"/>
   </p:sldIdLst>
   <p:sldSz cx="9144000" cy="5143500" type="screen16x9"/>
   <p:notesSz cx="6858000" cy="9144000"/>
@@ -22,6 +22,10 @@
       <p:bold r:id="rId8"/>
       <p:italic r:id="rId9"/>
       <p:boldItalic r:id="rId10"/>
+    </p:embeddedFont>
+    <p:embeddedFont>
+      <p:font typeface="Arial Rounded MT Bold" pitchFamily="34" charset="0"/>
+      <p:regular r:id="rId11"/>
     </p:embeddedFont>
   </p:embeddedFontLst>
   <p:defaultTextStyle>
@@ -255,7 +259,7 @@
   </p:defaultTextStyle>
   <p:extLst>
     <p:ext uri="{EFAFB233-063F-42B5-8137-9DF3F51BA10A}">
-      <p15:sldGuideLst xmlns:p15="http://schemas.microsoft.com/office/powerpoint/2012/main" xmlns:p14="http://schemas.microsoft.com/office/powerpoint/2010/main" xmlns:com="http://schemas.openxmlformats.org/drawingml/2006/compatibility" xmlns:pvml="urn:schemas-microsoft-com:office:powerpoint" xmlns:v="urn:schemas-microsoft-com:vml" xmlns:o="urn:schemas-microsoft-com:office:office" xmlns:dgm="http://schemas.openxmlformats.org/drawingml/2006/diagram" xmlns:c="http://schemas.openxmlformats.org/drawingml/2006/chart" xmlns:mv="urn:schemas-microsoft-com:mac:vml" xmlns:mc="http://schemas.openxmlformats.org/markup-compatibility/2006" xmlns="">
+      <p15:sldGuideLst xmlns="" xmlns:mc="http://schemas.openxmlformats.org/markup-compatibility/2006" xmlns:mv="urn:schemas-microsoft-com:mac:vml" xmlns:c="http://schemas.openxmlformats.org/drawingml/2006/chart" xmlns:dgm="http://schemas.openxmlformats.org/drawingml/2006/diagram" xmlns:o="urn:schemas-microsoft-com:office:office" xmlns:v="urn:schemas-microsoft-com:vml" xmlns:pvml="urn:schemas-microsoft-com:office:powerpoint" xmlns:com="http://schemas.openxmlformats.org/drawingml/2006/compatibility" xmlns:p14="http://schemas.microsoft.com/office/powerpoint/2010/main" xmlns:p15="http://schemas.microsoft.com/office/powerpoint/2012/main">
         <p15:guide id="1" orient="horz" pos="1620">
           <p15:clr>
             <a:srgbClr val="A4A3A4"/>
@@ -822,110 +826,6 @@
   <p:cSld>
     <p:spTree>
       <p:nvGrpSpPr>
-        <p:cNvPr id="1" name="Shape 61"/>
-        <p:cNvGrpSpPr/>
-        <p:nvPr/>
-      </p:nvGrpSpPr>
-      <p:grpSpPr>
-        <a:xfrm>
-          <a:off x="0" y="0"/>
-          <a:ext cx="0" cy="0"/>
-          <a:chOff x="0" y="0"/>
-          <a:chExt cx="0" cy="0"/>
-        </a:xfrm>
-      </p:grpSpPr>
-      <p:sp>
-        <p:nvSpPr>
-          <p:cNvPr id="62" name="Google Shape;62;g7f61b749fe_3_20:notes"/>
-          <p:cNvSpPr>
-            <a:spLocks noGrp="1" noRot="1" noChangeAspect="1"/>
-          </p:cNvSpPr>
-          <p:nvPr>
-            <p:ph type="sldImg" idx="2"/>
-          </p:nvPr>
-        </p:nvSpPr>
-        <p:spPr>
-          <a:xfrm>
-            <a:off x="381300" y="685800"/>
-            <a:ext cx="6096000" cy="3429000"/>
-          </a:xfrm>
-          <a:custGeom>
-            <a:avLst/>
-            <a:gdLst/>
-            <a:ahLst/>
-            <a:cxnLst/>
-            <a:rect l="l" t="t" r="r" b="b"/>
-            <a:pathLst>
-              <a:path w="120000" h="120000" extrusionOk="0">
-                <a:moveTo>
-                  <a:pt x="0" y="0"/>
-                </a:moveTo>
-                <a:lnTo>
-                  <a:pt x="120000" y="0"/>
-                </a:lnTo>
-                <a:lnTo>
-                  <a:pt x="120000" y="120000"/>
-                </a:lnTo>
-                <a:lnTo>
-                  <a:pt x="0" y="120000"/>
-                </a:lnTo>
-                <a:close/>
-              </a:path>
-            </a:pathLst>
-          </a:custGeom>
-        </p:spPr>
-      </p:sp>
-      <p:sp>
-        <p:nvSpPr>
-          <p:cNvPr id="63" name="Google Shape;63;g7f61b749fe_3_20:notes"/>
-          <p:cNvSpPr txBox="1">
-            <a:spLocks noGrp="1"/>
-          </p:cNvSpPr>
-          <p:nvPr>
-            <p:ph type="body" idx="1"/>
-          </p:nvPr>
-        </p:nvSpPr>
-        <p:spPr>
-          <a:xfrm>
-            <a:off x="685800" y="4343400"/>
-            <a:ext cx="5486400" cy="4114800"/>
-          </a:xfrm>
-          <a:prstGeom prst="rect">
-            <a:avLst/>
-          </a:prstGeom>
-        </p:spPr>
-        <p:txBody>
-          <a:bodyPr spcFirstLastPara="1" wrap="square" lIns="91425" tIns="91425" rIns="91425" bIns="91425" anchor="t" anchorCtr="0">
-            <a:noAutofit/>
-          </a:bodyPr>
-          <a:lstStyle/>
-          <a:p>
-            <a:pPr marL="0" lvl="0" indent="0" algn="l" rtl="0">
-              <a:spcBef>
-                <a:spcPts val="0"/>
-              </a:spcBef>
-              <a:spcAft>
-                <a:spcPts val="0"/>
-              </a:spcAft>
-              <a:buNone/>
-            </a:pPr>
-            <a:endParaRPr/>
-          </a:p>
-        </p:txBody>
-      </p:sp>
-    </p:spTree>
-  </p:cSld>
-  <p:clrMapOvr>
-    <a:masterClrMapping/>
-  </p:clrMapOvr>
-</p:notes>
-</file>
-
-<file path=ppt/notesSlides/notesSlide3.xml><?xml version="1.0" encoding="utf-8"?>
-<p:notes xmlns:a="http://schemas.openxmlformats.org/drawingml/2006/main" xmlns:r="http://schemas.openxmlformats.org/officeDocument/2006/relationships" xmlns:p="http://schemas.openxmlformats.org/presentationml/2006/main" showMasterSp="0" showMasterPhAnim="0">
-  <p:cSld>
-    <p:spTree>
-      <p:nvGrpSpPr>
         <p:cNvPr id="1" name="Shape 67"/>
         <p:cNvGrpSpPr/>
         <p:nvPr/>
@@ -982,6 +882,110 @@
       <p:sp>
         <p:nvSpPr>
           <p:cNvPr id="69" name="Google Shape;69;g7f61b749fe_1_2:notes"/>
+          <p:cNvSpPr txBox="1">
+            <a:spLocks noGrp="1"/>
+          </p:cNvSpPr>
+          <p:nvPr>
+            <p:ph type="body" idx="1"/>
+          </p:nvPr>
+        </p:nvSpPr>
+        <p:spPr>
+          <a:xfrm>
+            <a:off x="685800" y="4343400"/>
+            <a:ext cx="5486400" cy="4114800"/>
+          </a:xfrm>
+          <a:prstGeom prst="rect">
+            <a:avLst/>
+          </a:prstGeom>
+        </p:spPr>
+        <p:txBody>
+          <a:bodyPr spcFirstLastPara="1" wrap="square" lIns="91425" tIns="91425" rIns="91425" bIns="91425" anchor="t" anchorCtr="0">
+            <a:noAutofit/>
+          </a:bodyPr>
+          <a:lstStyle/>
+          <a:p>
+            <a:pPr marL="0" lvl="0" indent="0" algn="l" rtl="0">
+              <a:spcBef>
+                <a:spcPts val="0"/>
+              </a:spcBef>
+              <a:spcAft>
+                <a:spcPts val="0"/>
+              </a:spcAft>
+              <a:buNone/>
+            </a:pPr>
+            <a:endParaRPr/>
+          </a:p>
+        </p:txBody>
+      </p:sp>
+    </p:spTree>
+  </p:cSld>
+  <p:clrMapOvr>
+    <a:masterClrMapping/>
+  </p:clrMapOvr>
+</p:notes>
+</file>
+
+<file path=ppt/notesSlides/notesSlide3.xml><?xml version="1.0" encoding="utf-8"?>
+<p:notes xmlns:a="http://schemas.openxmlformats.org/drawingml/2006/main" xmlns:r="http://schemas.openxmlformats.org/officeDocument/2006/relationships" xmlns:p="http://schemas.openxmlformats.org/presentationml/2006/main" showMasterSp="0" showMasterPhAnim="0">
+  <p:cSld>
+    <p:spTree>
+      <p:nvGrpSpPr>
+        <p:cNvPr id="1" name="Shape 74"/>
+        <p:cNvGrpSpPr/>
+        <p:nvPr/>
+      </p:nvGrpSpPr>
+      <p:grpSpPr>
+        <a:xfrm>
+          <a:off x="0" y="0"/>
+          <a:ext cx="0" cy="0"/>
+          <a:chOff x="0" y="0"/>
+          <a:chExt cx="0" cy="0"/>
+        </a:xfrm>
+      </p:grpSpPr>
+      <p:sp>
+        <p:nvSpPr>
+          <p:cNvPr id="75" name="Google Shape;75;g7f61b749fe_0_356:notes"/>
+          <p:cNvSpPr>
+            <a:spLocks noGrp="1" noRot="1" noChangeAspect="1"/>
+          </p:cNvSpPr>
+          <p:nvPr>
+            <p:ph type="sldImg" idx="2"/>
+          </p:nvPr>
+        </p:nvSpPr>
+        <p:spPr>
+          <a:xfrm>
+            <a:off x="381000" y="685800"/>
+            <a:ext cx="6096000" cy="3429000"/>
+          </a:xfrm>
+          <a:custGeom>
+            <a:avLst/>
+            <a:gdLst/>
+            <a:ahLst/>
+            <a:cxnLst/>
+            <a:rect l="l" t="t" r="r" b="b"/>
+            <a:pathLst>
+              <a:path w="120000" h="120000" extrusionOk="0">
+                <a:moveTo>
+                  <a:pt x="0" y="0"/>
+                </a:moveTo>
+                <a:lnTo>
+                  <a:pt x="120000" y="0"/>
+                </a:lnTo>
+                <a:lnTo>
+                  <a:pt x="120000" y="120000"/>
+                </a:lnTo>
+                <a:lnTo>
+                  <a:pt x="0" y="120000"/>
+                </a:lnTo>
+                <a:close/>
+              </a:path>
+            </a:pathLst>
+          </a:custGeom>
+        </p:spPr>
+      </p:sp>
+      <p:sp>
+        <p:nvSpPr>
+          <p:cNvPr id="76" name="Google Shape;76;g7f61b749fe_0_356:notes"/>
           <p:cNvSpPr txBox="1">
             <a:spLocks noGrp="1"/>
           </p:cNvSpPr>
@@ -6808,183 +6812,6 @@
   <p:clrMapOvr>
     <a:masterClrMapping/>
   </p:clrMapOvr>
-</p:sld>
-</file>
-
-<file path=ppt/slides/slide2.xml><?xml version="1.0" encoding="utf-8"?>
-<p:sld xmlns:a="http://schemas.openxmlformats.org/drawingml/2006/main" xmlns:r="http://schemas.openxmlformats.org/officeDocument/2006/relationships" xmlns:p="http://schemas.openxmlformats.org/presentationml/2006/main">
-  <p:cSld>
-    <p:spTree>
-      <p:nvGrpSpPr>
-        <p:cNvPr id="1" name="Shape 64"/>
-        <p:cNvGrpSpPr/>
-        <p:nvPr/>
-      </p:nvGrpSpPr>
-      <p:grpSpPr>
-        <a:xfrm>
-          <a:off x="0" y="0"/>
-          <a:ext cx="0" cy="0"/>
-          <a:chOff x="0" y="0"/>
-          <a:chExt cx="0" cy="0"/>
-        </a:xfrm>
-      </p:grpSpPr>
-      <p:sp>
-        <p:nvSpPr>
-          <p:cNvPr id="65" name="Google Shape;65;p14"/>
-          <p:cNvSpPr txBox="1">
-            <a:spLocks noGrp="1"/>
-          </p:cNvSpPr>
-          <p:nvPr>
-            <p:ph type="title"/>
-          </p:nvPr>
-        </p:nvSpPr>
-        <p:spPr>
-          <a:xfrm>
-            <a:off x="311700" y="445025"/>
-            <a:ext cx="8520600" cy="572700"/>
-          </a:xfrm>
-          <a:prstGeom prst="rect">
-            <a:avLst/>
-          </a:prstGeom>
-        </p:spPr>
-        <p:txBody>
-          <a:bodyPr spcFirstLastPara="1" wrap="square" lIns="91425" tIns="91425" rIns="91425" bIns="91425" anchor="t" anchorCtr="0">
-            <a:noAutofit/>
-          </a:bodyPr>
-          <a:lstStyle/>
-          <a:p>
-            <a:pPr marL="0" lvl="0" indent="0" algn="l" rtl="0">
-              <a:spcBef>
-                <a:spcPts val="0"/>
-              </a:spcBef>
-              <a:spcAft>
-                <a:spcPts val="0"/>
-              </a:spcAft>
-              <a:buNone/>
-            </a:pPr>
-            <a:r>
-              <a:rPr lang="es-419"/>
-              <a:t>Nuestro proyecto</a:t>
-            </a:r>
-            <a:endParaRPr/>
-          </a:p>
-        </p:txBody>
-      </p:sp>
-      <p:sp>
-        <p:nvSpPr>
-          <p:cNvPr id="66" name="Google Shape;66;p14"/>
-          <p:cNvSpPr txBox="1">
-            <a:spLocks noGrp="1"/>
-          </p:cNvSpPr>
-          <p:nvPr>
-            <p:ph type="body" idx="1"/>
-          </p:nvPr>
-        </p:nvSpPr>
-        <p:spPr>
-          <a:xfrm>
-            <a:off x="311700" y="1152475"/>
-            <a:ext cx="8520600" cy="3416400"/>
-          </a:xfrm>
-          <a:prstGeom prst="rect">
-            <a:avLst/>
-          </a:prstGeom>
-        </p:spPr>
-        <p:txBody>
-          <a:bodyPr spcFirstLastPara="1" wrap="square" lIns="91425" tIns="91425" rIns="91425" bIns="91425" anchor="t" anchorCtr="0">
-            <a:noAutofit/>
-          </a:bodyPr>
-          <a:lstStyle/>
-          <a:p>
-            <a:pPr marL="0" lvl="0" indent="0" algn="l" rtl="0">
-              <a:spcBef>
-                <a:spcPts val="0"/>
-              </a:spcBef>
-              <a:spcAft>
-                <a:spcPts val="0"/>
-              </a:spcAft>
-              <a:buNone/>
-            </a:pPr>
-            <a:r>
-              <a:rPr lang="es-419"/>
-              <a:t>Objetivos </a:t>
-            </a:r>
-            <a:endParaRPr/>
-          </a:p>
-          <a:p>
-            <a:pPr marL="457200" lvl="0" indent="-342900" algn="l" rtl="0">
-              <a:spcBef>
-                <a:spcPts val="1600"/>
-              </a:spcBef>
-              <a:spcAft>
-                <a:spcPts val="0"/>
-              </a:spcAft>
-              <a:buSzPts val="1800"/>
-              <a:buAutoNum type="arabicPeriod"/>
-            </a:pPr>
-            <a:r>
-              <a:rPr lang="es-419"/>
-              <a:t>Conocer los diferentes dispositivos a implementar (routers y teléfonos ip’s)</a:t>
-            </a:r>
-            <a:endParaRPr/>
-          </a:p>
-          <a:p>
-            <a:pPr marL="457200" lvl="0" indent="-342900" algn="l" rtl="0">
-              <a:spcBef>
-                <a:spcPts val="0"/>
-              </a:spcBef>
-              <a:spcAft>
-                <a:spcPts val="0"/>
-              </a:spcAft>
-              <a:buSzPts val="1800"/>
-              <a:buAutoNum type="arabicPeriod"/>
-            </a:pPr>
-            <a:r>
-              <a:rPr lang="es-419"/>
-              <a:t>Conocer e implementar los diferentes comandos para los dipositivos</a:t>
-            </a:r>
-            <a:endParaRPr/>
-          </a:p>
-          <a:p>
-            <a:pPr marL="457200" lvl="0" indent="-342900" algn="l" rtl="0">
-              <a:spcBef>
-                <a:spcPts val="0"/>
-              </a:spcBef>
-              <a:spcAft>
-                <a:spcPts val="0"/>
-              </a:spcAft>
-              <a:buSzPts val="1800"/>
-              <a:buAutoNum type="arabicPeriod"/>
-            </a:pPr>
-            <a:r>
-              <a:rPr lang="es-419"/>
-              <a:t>Generar y configurar la red y subred (ip’s,puerta de enlace,mascara,etc.)</a:t>
-            </a:r>
-            <a:endParaRPr/>
-          </a:p>
-          <a:p>
-            <a:pPr marL="457200" lvl="0" indent="-342900" algn="l" rtl="0">
-              <a:spcBef>
-                <a:spcPts val="0"/>
-              </a:spcBef>
-              <a:spcAft>
-                <a:spcPts val="0"/>
-              </a:spcAft>
-              <a:buSzPts val="1800"/>
-              <a:buAutoNum type="arabicPeriod"/>
-            </a:pPr>
-            <a:r>
-              <a:rPr lang="es-419"/>
-              <a:t>Realizar las diferentes pruebas realizando llamas internas como externas  </a:t>
-            </a:r>
-            <a:endParaRPr/>
-          </a:p>
-        </p:txBody>
-      </p:sp>
-    </p:spTree>
-  </p:cSld>
-  <p:clrMapOvr>
-    <a:masterClrMapping/>
-  </p:clrMapOvr>
   <p:timing>
     <p:tnLst>
       <p:par>
@@ -6995,7 +6822,7 @@
 </p:sld>
 </file>
 
-<file path=ppt/slides/slide3.xml><?xml version="1.0" encoding="utf-8"?>
+<file path=ppt/slides/slide2.xml><?xml version="1.0" encoding="utf-8"?>
 <p:sld xmlns:a="http://schemas.openxmlformats.org/drawingml/2006/main" xmlns:r="http://schemas.openxmlformats.org/officeDocument/2006/relationships" xmlns:p="http://schemas.openxmlformats.org/presentationml/2006/main">
   <p:cSld>
     <p:spTree>
@@ -7037,37 +6864,134 @@
           </a:bodyPr>
           <a:lstStyle/>
           <a:p>
-            <a:pPr marL="0" lvl="0" indent="0" algn="ctr" rtl="0">
-              <a:spcBef>
-                <a:spcPts val="0"/>
-              </a:spcBef>
-              <a:spcAft>
-                <a:spcPts val="0"/>
-              </a:spcAft>
-              <a:buNone/>
-            </a:pPr>
+            <a:pPr algn="ctr"/>
             <a:r>
-              <a:rPr lang="es-419" dirty="0"/>
-              <a:t>Esquema VoIP Packet Tracer</a:t>
+              <a:rPr lang="es-419" dirty="0">
+                <a:solidFill>
+                  <a:srgbClr val="002060"/>
+                </a:solidFill>
+                <a:effectLst>
+                  <a:outerShdw blurRad="38100" dist="38100" dir="2700000" algn="tl">
+                    <a:srgbClr val="000000">
+                      <a:alpha val="43137"/>
+                    </a:srgbClr>
+                  </a:outerShdw>
+                </a:effectLst>
+                <a:latin typeface="Arial Rounded MT Bold" pitchFamily="34" charset="0"/>
+              </a:rPr>
+              <a:t>Esquema VoIP Packet </a:t>
             </a:r>
-            <a:endParaRPr dirty="0"/>
+            <a:r>
+              <a:rPr lang="es-419" dirty="0" smtClean="0">
+                <a:solidFill>
+                  <a:srgbClr val="002060"/>
+                </a:solidFill>
+                <a:effectLst>
+                  <a:outerShdw blurRad="38100" dist="38100" dir="2700000" algn="tl">
+                    <a:srgbClr val="000000">
+                      <a:alpha val="43137"/>
+                    </a:srgbClr>
+                  </a:outerShdw>
+                </a:effectLst>
+                <a:latin typeface="Arial Rounded MT Bold" pitchFamily="34" charset="0"/>
+              </a:rPr>
+              <a:t>Tracer</a:t>
+            </a:r>
+            <a:endParaRPr lang="es-419" dirty="0">
+              <a:solidFill>
+                <a:srgbClr val="002060"/>
+              </a:solidFill>
+              <a:effectLst>
+                <a:outerShdw blurRad="38100" dist="38100" dir="2700000" algn="tl">
+                  <a:srgbClr val="000000">
+                    <a:alpha val="43137"/>
+                  </a:srgbClr>
+                </a:outerShdw>
+              </a:effectLst>
+              <a:latin typeface="Arial Rounded MT Bold" pitchFamily="34" charset="0"/>
+            </a:endParaRPr>
           </a:p>
         </p:txBody>
       </p:sp>
+      <p:pic>
+        <p:nvPicPr>
+          <p:cNvPr id="6146" name="Picture 2"/>
+          <p:cNvPicPr>
+            <a:picLocks noChangeAspect="1" noChangeArrowheads="1"/>
+          </p:cNvPicPr>
+          <p:nvPr/>
+        </p:nvPicPr>
+        <p:blipFill>
+          <a:blip r:embed="rId3"/>
+          <a:srcRect/>
+          <a:stretch>
+            <a:fillRect/>
+          </a:stretch>
+        </p:blipFill>
+        <p:spPr bwMode="auto">
+          <a:xfrm>
+            <a:off x="866324" y="832683"/>
+            <a:ext cx="7376246" cy="3694002"/>
+          </a:xfrm>
+          <a:prstGeom prst="rect">
+            <a:avLst/>
+          </a:prstGeom>
+          <a:noFill/>
+          <a:ln w="9525">
+            <a:noFill/>
+            <a:miter lim="800000"/>
+            <a:headEnd/>
+            <a:tailEnd/>
+          </a:ln>
+          <a:effectLst/>
+        </p:spPr>
+      </p:pic>
+    </p:spTree>
+  </p:cSld>
+  <p:clrMapOvr>
+    <a:masterClrMapping/>
+  </p:clrMapOvr>
+  <p:timing>
+    <p:tnLst>
+      <p:par>
+        <p:cTn id="1" dur="indefinite" restart="never" nodeType="tmRoot"/>
+      </p:par>
+    </p:tnLst>
+  </p:timing>
+</p:sld>
+</file>
+
+<file path=ppt/slides/slide3.xml><?xml version="1.0" encoding="utf-8"?>
+<p:sld xmlns:a="http://schemas.openxmlformats.org/drawingml/2006/main" xmlns:r="http://schemas.openxmlformats.org/officeDocument/2006/relationships" xmlns:p="http://schemas.openxmlformats.org/presentationml/2006/main">
+  <p:cSld>
+    <p:spTree>
+      <p:nvGrpSpPr>
+        <p:cNvPr id="1" name="Shape 77"/>
+        <p:cNvGrpSpPr/>
+        <p:nvPr/>
+      </p:nvGrpSpPr>
+      <p:grpSpPr>
+        <a:xfrm>
+          <a:off x="0" y="0"/>
+          <a:ext cx="0" cy="0"/>
+          <a:chOff x="0" y="0"/>
+          <a:chExt cx="0" cy="0"/>
+        </a:xfrm>
+      </p:grpSpPr>
       <p:sp>
         <p:nvSpPr>
-          <p:cNvPr id="72" name="Google Shape;72;p15"/>
+          <p:cNvPr id="78" name="Google Shape;78;p16"/>
           <p:cNvSpPr txBox="1">
             <a:spLocks noGrp="1"/>
           </p:cNvSpPr>
           <p:nvPr>
-            <p:ph type="body" idx="1"/>
+            <p:ph type="title"/>
           </p:nvPr>
         </p:nvSpPr>
         <p:spPr>
           <a:xfrm>
-            <a:off x="311700" y="1152475"/>
-            <a:ext cx="8520600" cy="3416400"/>
+            <a:off x="733231" y="2053331"/>
+            <a:ext cx="1270666" cy="572700"/>
           </a:xfrm>
           <a:prstGeom prst="rect">
             <a:avLst/>
@@ -7084,11 +7008,39 @@
                 <a:spcPts val="0"/>
               </a:spcBef>
               <a:spcAft>
-                <a:spcPts val="1600"/>
+                <a:spcPts val="0"/>
               </a:spcAft>
               <a:buNone/>
             </a:pPr>
-            <a:endParaRPr dirty="0"/>
+            <a:r>
+              <a:rPr lang="es-419" sz="3200" b="1" dirty="0">
+                <a:solidFill>
+                  <a:srgbClr val="002060"/>
+                </a:solidFill>
+                <a:effectLst>
+                  <a:outerShdw blurRad="38100" dist="38100" dir="2700000" algn="tl">
+                    <a:srgbClr val="000000">
+                      <a:alpha val="43137"/>
+                    </a:srgbClr>
+                  </a:outerShdw>
+                </a:effectLst>
+                <a:latin typeface="Arial Rounded MT Bold" pitchFamily="34" charset="0"/>
+              </a:rPr>
+              <a:t>BOM</a:t>
+            </a:r>
+            <a:endParaRPr sz="3200" b="1" dirty="0">
+              <a:solidFill>
+                <a:srgbClr val="002060"/>
+              </a:solidFill>
+              <a:effectLst>
+                <a:outerShdw blurRad="38100" dist="38100" dir="2700000" algn="tl">
+                  <a:srgbClr val="000000">
+                    <a:alpha val="43137"/>
+                  </a:srgbClr>
+                </a:outerShdw>
+              </a:effectLst>
+              <a:latin typeface="Arial Rounded MT Bold" pitchFamily="34" charset="0"/>
+            </a:endParaRPr>
           </a:p>
         </p:txBody>
       </p:sp>
@@ -7109,8 +7061,8 @@
         </p:blipFill>
         <p:spPr bwMode="auto">
           <a:xfrm>
-            <a:off x="723895" y="616086"/>
-            <a:ext cx="7641894" cy="4322324"/>
+            <a:off x="2358408" y="84306"/>
+            <a:ext cx="6223832" cy="4929491"/>
           </a:xfrm>
           <a:prstGeom prst="rect">
             <a:avLst/>
@@ -7125,6 +7077,110 @@
           <a:effectLst/>
         </p:spPr>
       </p:pic>
+      <p:sp>
+        <p:nvSpPr>
+          <p:cNvPr id="1028" name="Rectangle 4"/>
+          <p:cNvSpPr>
+            <a:spLocks noChangeArrowheads="1"/>
+          </p:cNvSpPr>
+          <p:nvPr/>
+        </p:nvSpPr>
+        <p:spPr bwMode="auto">
+          <a:xfrm>
+            <a:off x="0" y="0"/>
+            <a:ext cx="9144000" cy="457200"/>
+          </a:xfrm>
+          <a:prstGeom prst="rect">
+            <a:avLst/>
+          </a:prstGeom>
+          <a:noFill/>
+          <a:ln w="9525">
+            <a:noFill/>
+            <a:miter lim="800000"/>
+            <a:headEnd/>
+            <a:tailEnd/>
+          </a:ln>
+          <a:effectLst/>
+        </p:spPr>
+        <p:txBody>
+          <a:bodyPr vert="horz" wrap="none" lIns="91440" tIns="45720" rIns="91440" bIns="45720" numCol="1" anchor="ctr" anchorCtr="0" compatLnSpc="1">
+            <a:prstTxWarp prst="textNoShape">
+              <a:avLst/>
+            </a:prstTxWarp>
+            <a:spAutoFit/>
+          </a:bodyPr>
+          <a:lstStyle/>
+          <a:p>
+            <a:endParaRPr lang="es-CO"/>
+          </a:p>
+        </p:txBody>
+      </p:sp>
+      <p:pic>
+        <p:nvPicPr>
+          <p:cNvPr id="1027" name="Picture 3"/>
+          <p:cNvPicPr>
+            <a:picLocks noChangeAspect="1" noChangeArrowheads="1"/>
+          </p:cNvPicPr>
+          <p:nvPr/>
+        </p:nvPicPr>
+        <p:blipFill>
+          <a:blip r:embed="rId4">
+            <a:clrChange>
+              <a:clrFrom>
+                <a:srgbClr val="FFFFFF"/>
+              </a:clrFrom>
+              <a:clrTo>
+                <a:srgbClr val="FFFFFF">
+                  <a:alpha val="0"/>
+                </a:srgbClr>
+              </a:clrTo>
+            </a:clrChange>
+          </a:blip>
+          <a:srcRect/>
+          <a:stretch>
+            <a:fillRect/>
+          </a:stretch>
+        </p:blipFill>
+        <p:spPr bwMode="auto">
+          <a:xfrm>
+            <a:off x="758757" y="3456562"/>
+            <a:ext cx="1165322" cy="324625"/>
+          </a:xfrm>
+          <a:prstGeom prst="rect">
+            <a:avLst/>
+          </a:prstGeom>
+          <a:noFill/>
+        </p:spPr>
+      </p:pic>
+      <p:sp>
+        <p:nvSpPr>
+          <p:cNvPr id="8" name="7 CuadroTexto"/>
+          <p:cNvSpPr txBox="1"/>
+          <p:nvPr/>
+        </p:nvSpPr>
+        <p:spPr>
+          <a:xfrm>
+            <a:off x="804153" y="3819726"/>
+            <a:ext cx="1043876" cy="230832"/>
+          </a:xfrm>
+          <a:prstGeom prst="rect">
+            <a:avLst/>
+          </a:prstGeom>
+          <a:noFill/>
+        </p:spPr>
+        <p:txBody>
+          <a:bodyPr wrap="none" rtlCol="0">
+            <a:spAutoFit/>
+          </a:bodyPr>
+          <a:lstStyle/>
+          <a:p>
+            <a:r>
+              <a:rPr lang="es-CO" sz="900" dirty="0" smtClean="0"/>
+              <a:t>*Margen de 25%</a:t>
+            </a:r>
+          </a:p>
+        </p:txBody>
+      </p:sp>
     </p:spTree>
   </p:cSld>
   <p:clrMapOvr>
@@ -7169,8 +7225,8 @@
         </p:nvSpPr>
         <p:spPr>
           <a:xfrm>
-            <a:off x="324670" y="205076"/>
-            <a:ext cx="8520600" cy="572700"/>
+            <a:off x="966695" y="1923628"/>
+            <a:ext cx="2262887" cy="1104915"/>
           </a:xfrm>
           <a:prstGeom prst="rect">
             <a:avLst/>
@@ -7182,7 +7238,7 @@
           </a:bodyPr>
           <a:lstStyle/>
           <a:p>
-            <a:pPr marL="0" lvl="0" indent="0" algn="l" rtl="0">
+            <a:pPr marL="0" lvl="0" indent="0" algn="ctr" rtl="0">
               <a:spcBef>
                 <a:spcPts val="0"/>
               </a:spcBef>
@@ -7192,77 +7248,68 @@
               <a:buNone/>
             </a:pPr>
             <a:r>
-              <a:rPr lang="es-419" dirty="0"/>
-              <a:t>BOM</a:t>
+              <a:rPr lang="es-419" b="1" dirty="0" smtClean="0">
+                <a:solidFill>
+                  <a:srgbClr val="002060"/>
+                </a:solidFill>
+                <a:effectLst>
+                  <a:outerShdw blurRad="38100" dist="38100" dir="2700000" algn="tl">
+                    <a:srgbClr val="000000">
+                      <a:alpha val="43137"/>
+                    </a:srgbClr>
+                  </a:outerShdw>
+                </a:effectLst>
+                <a:latin typeface="Arial Rounded MT Bold" pitchFamily="34" charset="0"/>
+              </a:rPr>
+              <a:t>Propuesta Económica</a:t>
             </a:r>
-            <a:endParaRPr dirty="0"/>
-          </a:p>
-        </p:txBody>
-      </p:sp>
-      <p:sp>
-        <p:nvSpPr>
-          <p:cNvPr id="79" name="Google Shape;79;p16"/>
-          <p:cNvSpPr txBox="1">
-            <a:spLocks noGrp="1"/>
-          </p:cNvSpPr>
-          <p:nvPr>
-            <p:ph type="body" idx="1"/>
-          </p:nvPr>
-        </p:nvSpPr>
-        <p:spPr>
-          <a:xfrm>
-            <a:off x="311700" y="1152475"/>
-            <a:ext cx="8520600" cy="3416400"/>
-          </a:xfrm>
-          <a:prstGeom prst="rect">
-            <a:avLst/>
-          </a:prstGeom>
-        </p:spPr>
-        <p:txBody>
-          <a:bodyPr spcFirstLastPara="1" wrap="square" lIns="91425" tIns="91425" rIns="91425" bIns="91425" anchor="t" anchorCtr="0">
-            <a:noAutofit/>
-          </a:bodyPr>
-          <a:lstStyle/>
-          <a:p>
-            <a:pPr marL="0" lvl="0" indent="0" algn="l" rtl="0">
-              <a:spcBef>
-                <a:spcPts val="0"/>
-              </a:spcBef>
-              <a:spcAft>
-                <a:spcPts val="1600"/>
-              </a:spcAft>
-              <a:buNone/>
-            </a:pPr>
-            <a:endParaRPr/>
+            <a:endParaRPr b="1" dirty="0">
+              <a:solidFill>
+                <a:srgbClr val="002060"/>
+              </a:solidFill>
+              <a:effectLst>
+                <a:outerShdw blurRad="38100" dist="38100" dir="2700000" algn="tl">
+                  <a:srgbClr val="000000">
+                    <a:alpha val="43137"/>
+                  </a:srgbClr>
+                </a:outerShdw>
+              </a:effectLst>
+              <a:latin typeface="Arial Rounded MT Bold" pitchFamily="34" charset="0"/>
+            </a:endParaRPr>
           </a:p>
         </p:txBody>
       </p:sp>
       <p:pic>
         <p:nvPicPr>
-          <p:cNvPr id="80" name="Google Shape;80;p16"/>
-          <p:cNvPicPr preferRelativeResize="0"/>
+          <p:cNvPr id="2050" name="Picture 2"/>
+          <p:cNvPicPr>
+            <a:picLocks noChangeAspect="1" noChangeArrowheads="1"/>
+          </p:cNvPicPr>
           <p:nvPr/>
         </p:nvPicPr>
         <p:blipFill>
-          <a:blip r:embed="rId3">
-            <a:alphaModFix/>
-          </a:blip>
+          <a:blip r:embed="rId3"/>
+          <a:srcRect/>
           <a:stretch>
             <a:fillRect/>
           </a:stretch>
         </p:blipFill>
-        <p:spPr>
+        <p:spPr bwMode="auto">
           <a:xfrm>
-            <a:off x="421850" y="825573"/>
-            <a:ext cx="8520601" cy="4076700"/>
+            <a:off x="3745960" y="606897"/>
+            <a:ext cx="4038600" cy="3667125"/>
           </a:xfrm>
           <a:prstGeom prst="rect">
             <a:avLst/>
           </a:prstGeom>
           <a:noFill/>
-          <a:ln>
+          <a:ln w="9525">
             <a:noFill/>
+            <a:miter lim="800000"/>
+            <a:headEnd/>
+            <a:tailEnd/>
           </a:ln>
+          <a:effectLst/>
         </p:spPr>
       </p:pic>
     </p:spTree>

--- a/Proyecto DRLW(02-04-2020).pptx
+++ b/Proyecto DRLW(02-04-2020).pptx
@@ -17,15 +17,15 @@
   <p:notesSz cx="6858000" cy="9144000"/>
   <p:embeddedFontLst>
     <p:embeddedFont>
-      <p:font typeface="Proxima Nova" charset="0"/>
+      <p:font typeface="Arial Rounded MT Bold" panose="020F0704030504030204" pitchFamily="34" charset="0"/>
       <p:regular r:id="rId7"/>
-      <p:bold r:id="rId8"/>
-      <p:italic r:id="rId9"/>
-      <p:boldItalic r:id="rId10"/>
     </p:embeddedFont>
     <p:embeddedFont>
-      <p:font typeface="Arial Rounded MT Bold" pitchFamily="34" charset="0"/>
-      <p:regular r:id="rId11"/>
+      <p:font typeface="Proxima Nova" panose="020B0604020202020204" charset="0"/>
+      <p:regular r:id="rId8"/>
+      <p:bold r:id="rId9"/>
+      <p:italic r:id="rId10"/>
+      <p:boldItalic r:id="rId11"/>
     </p:embeddedFont>
   </p:embeddedFontLst>
   <p:defaultTextStyle>
@@ -259,7 +259,7 @@
   </p:defaultTextStyle>
   <p:extLst>
     <p:ext uri="{EFAFB233-063F-42B5-8137-9DF3F51BA10A}">
-      <p15:sldGuideLst xmlns="" xmlns:mc="http://schemas.openxmlformats.org/markup-compatibility/2006" xmlns:mv="urn:schemas-microsoft-com:mac:vml" xmlns:c="http://schemas.openxmlformats.org/drawingml/2006/chart" xmlns:dgm="http://schemas.openxmlformats.org/drawingml/2006/diagram" xmlns:o="urn:schemas-microsoft-com:office:office" xmlns:v="urn:schemas-microsoft-com:vml" xmlns:pvml="urn:schemas-microsoft-com:office:powerpoint" xmlns:com="http://schemas.openxmlformats.org/drawingml/2006/compatibility" xmlns:p14="http://schemas.microsoft.com/office/powerpoint/2010/main" xmlns:p15="http://schemas.microsoft.com/office/powerpoint/2012/main">
+      <p15:sldGuideLst xmlns:p15="http://schemas.microsoft.com/office/powerpoint/2012/main">
         <p15:guide id="1" orient="horz" pos="1620">
           <p15:clr>
             <a:srgbClr val="A4A3A4"/>
@@ -6812,13 +6812,6 @@
   <p:clrMapOvr>
     <a:masterClrMapping/>
   </p:clrMapOvr>
-  <p:timing>
-    <p:tnLst>
-      <p:par>
-        <p:cTn id="1" dur="indefinite" restart="never" nodeType="tmRoot"/>
-      </p:par>
-    </p:tnLst>
-  </p:timing>
 </p:sld>
 </file>
 
@@ -6879,37 +6872,8 @@
                 </a:effectLst>
                 <a:latin typeface="Arial Rounded MT Bold" pitchFamily="34" charset="0"/>
               </a:rPr>
-              <a:t>Esquema VoIP Packet </a:t>
+              <a:t>Esquema VoIP Packet Tracer</a:t>
             </a:r>
-            <a:r>
-              <a:rPr lang="es-419" dirty="0" smtClean="0">
-                <a:solidFill>
-                  <a:srgbClr val="002060"/>
-                </a:solidFill>
-                <a:effectLst>
-                  <a:outerShdw blurRad="38100" dist="38100" dir="2700000" algn="tl">
-                    <a:srgbClr val="000000">
-                      <a:alpha val="43137"/>
-                    </a:srgbClr>
-                  </a:outerShdw>
-                </a:effectLst>
-                <a:latin typeface="Arial Rounded MT Bold" pitchFamily="34" charset="0"/>
-              </a:rPr>
-              <a:t>Tracer</a:t>
-            </a:r>
-            <a:endParaRPr lang="es-419" dirty="0">
-              <a:solidFill>
-                <a:srgbClr val="002060"/>
-              </a:solidFill>
-              <a:effectLst>
-                <a:outerShdw blurRad="38100" dist="38100" dir="2700000" algn="tl">
-                  <a:srgbClr val="000000">
-                    <a:alpha val="43137"/>
-                  </a:srgbClr>
-                </a:outerShdw>
-              </a:effectLst>
-              <a:latin typeface="Arial Rounded MT Bold" pitchFamily="34" charset="0"/>
-            </a:endParaRPr>
           </a:p>
         </p:txBody>
       </p:sp>
@@ -6951,13 +6915,6 @@
   <p:clrMapOvr>
     <a:masterClrMapping/>
   </p:clrMapOvr>
-  <p:timing>
-    <p:tnLst>
-      <p:par>
-        <p:cTn id="1" dur="indefinite" restart="never" nodeType="tmRoot"/>
-      </p:par>
-    </p:tnLst>
-  </p:timing>
 </p:sld>
 </file>
 
@@ -6978,72 +6935,6 @@
           <a:chExt cx="0" cy="0"/>
         </a:xfrm>
       </p:grpSpPr>
-      <p:sp>
-        <p:nvSpPr>
-          <p:cNvPr id="78" name="Google Shape;78;p16"/>
-          <p:cNvSpPr txBox="1">
-            <a:spLocks noGrp="1"/>
-          </p:cNvSpPr>
-          <p:nvPr>
-            <p:ph type="title"/>
-          </p:nvPr>
-        </p:nvSpPr>
-        <p:spPr>
-          <a:xfrm>
-            <a:off x="733231" y="2053331"/>
-            <a:ext cx="1270666" cy="572700"/>
-          </a:xfrm>
-          <a:prstGeom prst="rect">
-            <a:avLst/>
-          </a:prstGeom>
-        </p:spPr>
-        <p:txBody>
-          <a:bodyPr spcFirstLastPara="1" wrap="square" lIns="91425" tIns="91425" rIns="91425" bIns="91425" anchor="t" anchorCtr="0">
-            <a:noAutofit/>
-          </a:bodyPr>
-          <a:lstStyle/>
-          <a:p>
-            <a:pPr marL="0" lvl="0" indent="0" algn="l" rtl="0">
-              <a:spcBef>
-                <a:spcPts val="0"/>
-              </a:spcBef>
-              <a:spcAft>
-                <a:spcPts val="0"/>
-              </a:spcAft>
-              <a:buNone/>
-            </a:pPr>
-            <a:r>
-              <a:rPr lang="es-419" sz="3200" b="1" dirty="0">
-                <a:solidFill>
-                  <a:srgbClr val="002060"/>
-                </a:solidFill>
-                <a:effectLst>
-                  <a:outerShdw blurRad="38100" dist="38100" dir="2700000" algn="tl">
-                    <a:srgbClr val="000000">
-                      <a:alpha val="43137"/>
-                    </a:srgbClr>
-                  </a:outerShdw>
-                </a:effectLst>
-                <a:latin typeface="Arial Rounded MT Bold" pitchFamily="34" charset="0"/>
-              </a:rPr>
-              <a:t>BOM</a:t>
-            </a:r>
-            <a:endParaRPr sz="3200" b="1" dirty="0">
-              <a:solidFill>
-                <a:srgbClr val="002060"/>
-              </a:solidFill>
-              <a:effectLst>
-                <a:outerShdw blurRad="38100" dist="38100" dir="2700000" algn="tl">
-                  <a:srgbClr val="000000">
-                    <a:alpha val="43137"/>
-                  </a:srgbClr>
-                </a:outerShdw>
-              </a:effectLst>
-              <a:latin typeface="Arial Rounded MT Bold" pitchFamily="34" charset="0"/>
-            </a:endParaRPr>
-          </a:p>
-        </p:txBody>
-      </p:sp>
       <p:pic>
         <p:nvPicPr>
           <p:cNvPr id="1026" name="Picture 2"/>
@@ -7175,9 +7066,333 @@
           <a:lstStyle/>
           <a:p>
             <a:r>
-              <a:rPr lang="es-CO" sz="900" dirty="0" smtClean="0"/>
+              <a:rPr lang="es-CO" sz="900" dirty="0"/>
               <a:t>*Margen de 25%</a:t>
             </a:r>
+          </a:p>
+        </p:txBody>
+      </p:sp>
+      <p:sp>
+        <p:nvSpPr>
+          <p:cNvPr id="7" name="Google Shape;78;p16">
+            <a:extLst>
+              <a:ext uri="{FF2B5EF4-FFF2-40B4-BE49-F238E27FC236}">
+                <a16:creationId xmlns:a16="http://schemas.microsoft.com/office/drawing/2014/main" id="{1F495229-BCF3-4189-AD69-600E369A9882}"/>
+              </a:ext>
+            </a:extLst>
+          </p:cNvPr>
+          <p:cNvSpPr txBox="1">
+            <a:spLocks/>
+          </p:cNvSpPr>
+          <p:nvPr/>
+        </p:nvSpPr>
+        <p:spPr>
+          <a:xfrm>
+            <a:off x="209974" y="1684686"/>
+            <a:ext cx="2262887" cy="1104915"/>
+          </a:xfrm>
+          <a:prstGeom prst="rect">
+            <a:avLst/>
+          </a:prstGeom>
+          <a:noFill/>
+          <a:ln>
+            <a:noFill/>
+          </a:ln>
+        </p:spPr>
+        <p:txBody>
+          <a:bodyPr spcFirstLastPara="1" wrap="square" lIns="91425" tIns="91425" rIns="91425" bIns="91425" anchor="t" anchorCtr="0">
+            <a:noAutofit/>
+          </a:bodyPr>
+          <a:lstStyle>
+            <a:defPPr marR="0" lvl="0" algn="l" rtl="0">
+              <a:lnSpc>
+                <a:spcPct val="100000"/>
+              </a:lnSpc>
+              <a:spcBef>
+                <a:spcPts val="0"/>
+              </a:spcBef>
+              <a:spcAft>
+                <a:spcPts val="0"/>
+              </a:spcAft>
+            </a:defPPr>
+            <a:lvl1pPr marR="0" lvl="0" algn="l" rtl="0">
+              <a:lnSpc>
+                <a:spcPct val="100000"/>
+              </a:lnSpc>
+              <a:spcBef>
+                <a:spcPts val="0"/>
+              </a:spcBef>
+              <a:spcAft>
+                <a:spcPts val="0"/>
+              </a:spcAft>
+              <a:buClr>
+                <a:schemeClr val="dk1"/>
+              </a:buClr>
+              <a:buSzPts val="2800"/>
+              <a:buFont typeface="Proxima Nova"/>
+              <a:buNone/>
+              <a:defRPr sz="2800" b="0" i="0" u="none" strike="noStrike" cap="none">
+                <a:solidFill>
+                  <a:schemeClr val="dk1"/>
+                </a:solidFill>
+                <a:latin typeface="Proxima Nova"/>
+                <a:ea typeface="Proxima Nova"/>
+                <a:cs typeface="Proxima Nova"/>
+                <a:sym typeface="Proxima Nova"/>
+              </a:defRPr>
+            </a:lvl1pPr>
+            <a:lvl2pPr marR="0" lvl="1" algn="l" rtl="0">
+              <a:lnSpc>
+                <a:spcPct val="100000"/>
+              </a:lnSpc>
+              <a:spcBef>
+                <a:spcPts val="0"/>
+              </a:spcBef>
+              <a:spcAft>
+                <a:spcPts val="0"/>
+              </a:spcAft>
+              <a:buClr>
+                <a:schemeClr val="dk1"/>
+              </a:buClr>
+              <a:buSzPts val="2800"/>
+              <a:buFont typeface="Proxima Nova"/>
+              <a:buNone/>
+              <a:defRPr sz="2800" b="0" i="0" u="none" strike="noStrike" cap="none">
+                <a:solidFill>
+                  <a:schemeClr val="dk1"/>
+                </a:solidFill>
+                <a:latin typeface="Proxima Nova"/>
+                <a:ea typeface="Proxima Nova"/>
+                <a:cs typeface="Proxima Nova"/>
+                <a:sym typeface="Proxima Nova"/>
+              </a:defRPr>
+            </a:lvl2pPr>
+            <a:lvl3pPr marR="0" lvl="2" algn="l" rtl="0">
+              <a:lnSpc>
+                <a:spcPct val="100000"/>
+              </a:lnSpc>
+              <a:spcBef>
+                <a:spcPts val="0"/>
+              </a:spcBef>
+              <a:spcAft>
+                <a:spcPts val="0"/>
+              </a:spcAft>
+              <a:buClr>
+                <a:schemeClr val="dk1"/>
+              </a:buClr>
+              <a:buSzPts val="2800"/>
+              <a:buFont typeface="Proxima Nova"/>
+              <a:buNone/>
+              <a:defRPr sz="2800" b="0" i="0" u="none" strike="noStrike" cap="none">
+                <a:solidFill>
+                  <a:schemeClr val="dk1"/>
+                </a:solidFill>
+                <a:latin typeface="Proxima Nova"/>
+                <a:ea typeface="Proxima Nova"/>
+                <a:cs typeface="Proxima Nova"/>
+                <a:sym typeface="Proxima Nova"/>
+              </a:defRPr>
+            </a:lvl3pPr>
+            <a:lvl4pPr marR="0" lvl="3" algn="l" rtl="0">
+              <a:lnSpc>
+                <a:spcPct val="100000"/>
+              </a:lnSpc>
+              <a:spcBef>
+                <a:spcPts val="0"/>
+              </a:spcBef>
+              <a:spcAft>
+                <a:spcPts val="0"/>
+              </a:spcAft>
+              <a:buClr>
+                <a:schemeClr val="dk1"/>
+              </a:buClr>
+              <a:buSzPts val="2800"/>
+              <a:buFont typeface="Proxima Nova"/>
+              <a:buNone/>
+              <a:defRPr sz="2800" b="0" i="0" u="none" strike="noStrike" cap="none">
+                <a:solidFill>
+                  <a:schemeClr val="dk1"/>
+                </a:solidFill>
+                <a:latin typeface="Proxima Nova"/>
+                <a:ea typeface="Proxima Nova"/>
+                <a:cs typeface="Proxima Nova"/>
+                <a:sym typeface="Proxima Nova"/>
+              </a:defRPr>
+            </a:lvl4pPr>
+            <a:lvl5pPr marR="0" lvl="4" algn="l" rtl="0">
+              <a:lnSpc>
+                <a:spcPct val="100000"/>
+              </a:lnSpc>
+              <a:spcBef>
+                <a:spcPts val="0"/>
+              </a:spcBef>
+              <a:spcAft>
+                <a:spcPts val="0"/>
+              </a:spcAft>
+              <a:buClr>
+                <a:schemeClr val="dk1"/>
+              </a:buClr>
+              <a:buSzPts val="2800"/>
+              <a:buFont typeface="Proxima Nova"/>
+              <a:buNone/>
+              <a:defRPr sz="2800" b="0" i="0" u="none" strike="noStrike" cap="none">
+                <a:solidFill>
+                  <a:schemeClr val="dk1"/>
+                </a:solidFill>
+                <a:latin typeface="Proxima Nova"/>
+                <a:ea typeface="Proxima Nova"/>
+                <a:cs typeface="Proxima Nova"/>
+                <a:sym typeface="Proxima Nova"/>
+              </a:defRPr>
+            </a:lvl5pPr>
+            <a:lvl6pPr marR="0" lvl="5" algn="l" rtl="0">
+              <a:lnSpc>
+                <a:spcPct val="100000"/>
+              </a:lnSpc>
+              <a:spcBef>
+                <a:spcPts val="0"/>
+              </a:spcBef>
+              <a:spcAft>
+                <a:spcPts val="0"/>
+              </a:spcAft>
+              <a:buClr>
+                <a:schemeClr val="dk1"/>
+              </a:buClr>
+              <a:buSzPts val="2800"/>
+              <a:buFont typeface="Proxima Nova"/>
+              <a:buNone/>
+              <a:defRPr sz="2800" b="0" i="0" u="none" strike="noStrike" cap="none">
+                <a:solidFill>
+                  <a:schemeClr val="dk1"/>
+                </a:solidFill>
+                <a:latin typeface="Proxima Nova"/>
+                <a:ea typeface="Proxima Nova"/>
+                <a:cs typeface="Proxima Nova"/>
+                <a:sym typeface="Proxima Nova"/>
+              </a:defRPr>
+            </a:lvl6pPr>
+            <a:lvl7pPr marR="0" lvl="6" algn="l" rtl="0">
+              <a:lnSpc>
+                <a:spcPct val="100000"/>
+              </a:lnSpc>
+              <a:spcBef>
+                <a:spcPts val="0"/>
+              </a:spcBef>
+              <a:spcAft>
+                <a:spcPts val="0"/>
+              </a:spcAft>
+              <a:buClr>
+                <a:schemeClr val="dk1"/>
+              </a:buClr>
+              <a:buSzPts val="2800"/>
+              <a:buFont typeface="Proxima Nova"/>
+              <a:buNone/>
+              <a:defRPr sz="2800" b="0" i="0" u="none" strike="noStrike" cap="none">
+                <a:solidFill>
+                  <a:schemeClr val="dk1"/>
+                </a:solidFill>
+                <a:latin typeface="Proxima Nova"/>
+                <a:ea typeface="Proxima Nova"/>
+                <a:cs typeface="Proxima Nova"/>
+                <a:sym typeface="Proxima Nova"/>
+              </a:defRPr>
+            </a:lvl7pPr>
+            <a:lvl8pPr marR="0" lvl="7" algn="l" rtl="0">
+              <a:lnSpc>
+                <a:spcPct val="100000"/>
+              </a:lnSpc>
+              <a:spcBef>
+                <a:spcPts val="0"/>
+              </a:spcBef>
+              <a:spcAft>
+                <a:spcPts val="0"/>
+              </a:spcAft>
+              <a:buClr>
+                <a:schemeClr val="dk1"/>
+              </a:buClr>
+              <a:buSzPts val="2800"/>
+              <a:buFont typeface="Proxima Nova"/>
+              <a:buNone/>
+              <a:defRPr sz="2800" b="0" i="0" u="none" strike="noStrike" cap="none">
+                <a:solidFill>
+                  <a:schemeClr val="dk1"/>
+                </a:solidFill>
+                <a:latin typeface="Proxima Nova"/>
+                <a:ea typeface="Proxima Nova"/>
+                <a:cs typeface="Proxima Nova"/>
+                <a:sym typeface="Proxima Nova"/>
+              </a:defRPr>
+            </a:lvl8pPr>
+            <a:lvl9pPr marR="0" lvl="8" algn="l" rtl="0">
+              <a:lnSpc>
+                <a:spcPct val="100000"/>
+              </a:lnSpc>
+              <a:spcBef>
+                <a:spcPts val="0"/>
+              </a:spcBef>
+              <a:spcAft>
+                <a:spcPts val="0"/>
+              </a:spcAft>
+              <a:buClr>
+                <a:schemeClr val="dk1"/>
+              </a:buClr>
+              <a:buSzPts val="2800"/>
+              <a:buFont typeface="Proxima Nova"/>
+              <a:buNone/>
+              <a:defRPr sz="2800" b="0" i="0" u="none" strike="noStrike" cap="none">
+                <a:solidFill>
+                  <a:schemeClr val="dk1"/>
+                </a:solidFill>
+                <a:latin typeface="Proxima Nova"/>
+                <a:ea typeface="Proxima Nova"/>
+                <a:cs typeface="Proxima Nova"/>
+                <a:sym typeface="Proxima Nova"/>
+              </a:defRPr>
+            </a:lvl9pPr>
+          </a:lstStyle>
+          <a:p>
+            <a:pPr algn="ctr"/>
+            <a:r>
+              <a:rPr lang="es-419" b="1" dirty="0">
+                <a:solidFill>
+                  <a:srgbClr val="002060"/>
+                </a:solidFill>
+                <a:effectLst>
+                  <a:outerShdw blurRad="38100" dist="38100" dir="2700000" algn="tl">
+                    <a:srgbClr val="000000">
+                      <a:alpha val="43137"/>
+                    </a:srgbClr>
+                  </a:outerShdw>
+                </a:effectLst>
+                <a:latin typeface="Arial Rounded MT Bold" pitchFamily="34" charset="0"/>
+              </a:rPr>
+              <a:t>Propuesta Económica</a:t>
+            </a:r>
+          </a:p>
+        </p:txBody>
+      </p:sp>
+      <p:sp>
+        <p:nvSpPr>
+          <p:cNvPr id="3" name="Título 2">
+            <a:extLst>
+              <a:ext uri="{FF2B5EF4-FFF2-40B4-BE49-F238E27FC236}">
+                <a16:creationId xmlns:a16="http://schemas.microsoft.com/office/drawing/2014/main" id="{E51FCE0F-23B0-499F-8E5E-29B3FEFBA11F}"/>
+              </a:ext>
+            </a:extLst>
+          </p:cNvPr>
+          <p:cNvSpPr>
+            <a:spLocks noGrp="1"/>
+          </p:cNvSpPr>
+          <p:nvPr>
+            <p:ph type="title"/>
+          </p:nvPr>
+        </p:nvSpPr>
+        <p:spPr/>
+        <p:txBody>
+          <a:bodyPr/>
+          <a:lstStyle/>
+          <a:p>
+            <a:endParaRPr lang="es-CO"/>
           </a:p>
         </p:txBody>
       </p:sp>
@@ -7186,13 +7401,6 @@
   <p:clrMapOvr>
     <a:masterClrMapping/>
   </p:clrMapOvr>
-  <p:timing>
-    <p:tnLst>
-      <p:par>
-        <p:cTn id="1" dur="indefinite" restart="never" nodeType="tmRoot"/>
-      </p:par>
-    </p:tnLst>
-  </p:timing>
 </p:sld>
 </file>
 
@@ -7248,7 +7456,7 @@
               <a:buNone/>
             </a:pPr>
             <a:r>
-              <a:rPr lang="es-419" b="1" dirty="0" smtClean="0">
+              <a:rPr lang="es-419" b="1" dirty="0">
                 <a:solidFill>
                   <a:srgbClr val="002060"/>
                 </a:solidFill>
@@ -7261,7 +7469,7 @@
                 </a:effectLst>
                 <a:latin typeface="Arial Rounded MT Bold" pitchFamily="34" charset="0"/>
               </a:rPr>
-              <a:t>Propuesta Económica</a:t>
+              <a:t>Oferta Económica</a:t>
             </a:r>
             <a:endParaRPr b="1" dirty="0">
               <a:solidFill>
@@ -7317,13 +7525,6 @@
   <p:clrMapOvr>
     <a:masterClrMapping/>
   </p:clrMapOvr>
-  <p:timing>
-    <p:tnLst>
-      <p:par>
-        <p:cTn id="1" dur="indefinite" restart="never" nodeType="tmRoot"/>
-      </p:par>
-    </p:tnLst>
-  </p:timing>
 </p:sld>
 </file>
 

--- a/Proyecto DRLW(02-04-2020).pptx
+++ b/Proyecto DRLW(02-04-2020).pptx
@@ -17,18 +17,18 @@
   <p:notesSz cx="6858000" cy="9144000"/>
   <p:embeddedFontLst>
     <p:embeddedFont>
-      <p:font typeface="Proxima Nova" panose="020B0604020202020204" charset="0"/>
+      <p:font typeface="Arial Rounded MT Bold" panose="020F0704030504030204" pitchFamily="34" charset="0"/>
       <p:regular r:id="rId7"/>
-      <p:bold r:id="rId8"/>
-      <p:italic r:id="rId9"/>
-      <p:boldItalic r:id="rId10"/>
-    </p:embeddedFont>
-    <p:embeddedFont>
-      <p:font typeface="Arial Rounded MT Bold" panose="020F0704030504030204" pitchFamily="34" charset="0"/>
-      <p:regular r:id="rId11"/>
     </p:embeddedFont>
     <p:embeddedFont>
       <p:font typeface="Calibri" panose="020F0502020204030204" pitchFamily="34" charset="0"/>
+      <p:regular r:id="rId8"/>
+      <p:bold r:id="rId9"/>
+      <p:italic r:id="rId10"/>
+      <p:boldItalic r:id="rId11"/>
+    </p:embeddedFont>
+    <p:embeddedFont>
+      <p:font typeface="Proxima Nova" panose="020B0604020202020204" charset="0"/>
       <p:regular r:id="rId12"/>
       <p:bold r:id="rId13"/>
       <p:italic r:id="rId14"/>
@@ -1024,7 +1024,7 @@
               </a:spcAft>
               <a:buNone/>
             </a:pPr>
-            <a:endParaRPr/>
+            <a:endParaRPr dirty="0"/>
           </a:p>
         </p:txBody>
       </p:sp>
@@ -7013,72 +7013,6 @@
           </a:p>
         </p:txBody>
       </p:sp>
-      <p:pic>
-        <p:nvPicPr>
-          <p:cNvPr id="1027" name="Picture 3"/>
-          <p:cNvPicPr>
-            <a:picLocks noChangeAspect="1" noChangeArrowheads="1"/>
-          </p:cNvPicPr>
-          <p:nvPr/>
-        </p:nvPicPr>
-        <p:blipFill>
-          <a:blip r:embed="rId4">
-            <a:clrChange>
-              <a:clrFrom>
-                <a:srgbClr val="FFFFFF"/>
-              </a:clrFrom>
-              <a:clrTo>
-                <a:srgbClr val="FFFFFF">
-                  <a:alpha val="0"/>
-                </a:srgbClr>
-              </a:clrTo>
-            </a:clrChange>
-          </a:blip>
-          <a:srcRect/>
-          <a:stretch>
-            <a:fillRect/>
-          </a:stretch>
-        </p:blipFill>
-        <p:spPr bwMode="auto">
-          <a:xfrm>
-            <a:off x="758757" y="3456562"/>
-            <a:ext cx="1165322" cy="324625"/>
-          </a:xfrm>
-          <a:prstGeom prst="rect">
-            <a:avLst/>
-          </a:prstGeom>
-          <a:noFill/>
-        </p:spPr>
-      </p:pic>
-      <p:sp>
-        <p:nvSpPr>
-          <p:cNvPr id="8" name="7 CuadroTexto"/>
-          <p:cNvSpPr txBox="1"/>
-          <p:nvPr/>
-        </p:nvSpPr>
-        <p:spPr>
-          <a:xfrm>
-            <a:off x="804153" y="3819726"/>
-            <a:ext cx="1043876" cy="230832"/>
-          </a:xfrm>
-          <a:prstGeom prst="rect">
-            <a:avLst/>
-          </a:prstGeom>
-          <a:noFill/>
-        </p:spPr>
-        <p:txBody>
-          <a:bodyPr wrap="none" rtlCol="0">
-            <a:spAutoFit/>
-          </a:bodyPr>
-          <a:lstStyle/>
-          <a:p>
-            <a:r>
-              <a:rPr lang="es-CO" sz="900" dirty="0"/>
-              <a:t>*Margen de 25%</a:t>
-            </a:r>
-          </a:p>
-        </p:txBody>
-      </p:sp>
       <p:sp>
         <p:nvSpPr>
           <p:cNvPr id="7" name="Google Shape;78;p16">
@@ -7095,7 +7029,7 @@
         </p:nvSpPr>
         <p:spPr>
           <a:xfrm>
-            <a:off x="209974" y="1684686"/>
+            <a:off x="95521" y="457200"/>
             <a:ext cx="2262887" cy="1104915"/>
           </a:xfrm>
           <a:prstGeom prst="rect">
@@ -7375,31 +7309,6 @@
               </a:rPr>
               <a:t>Propuesta Económica</a:t>
             </a:r>
-          </a:p>
-        </p:txBody>
-      </p:sp>
-      <p:sp>
-        <p:nvSpPr>
-          <p:cNvPr id="3" name="Título 2">
-            <a:extLst>
-              <a:ext uri="{FF2B5EF4-FFF2-40B4-BE49-F238E27FC236}">
-                <a16:creationId xmlns:a16="http://schemas.microsoft.com/office/drawing/2014/main" id="{E51FCE0F-23B0-499F-8E5E-29B3FEFBA11F}"/>
-              </a:ext>
-            </a:extLst>
-          </p:cNvPr>
-          <p:cNvSpPr>
-            <a:spLocks noGrp="1"/>
-          </p:cNvSpPr>
-          <p:nvPr>
-            <p:ph type="title"/>
-          </p:nvPr>
-        </p:nvSpPr>
-        <p:spPr/>
-        <p:txBody>
-          <a:bodyPr/>
-          <a:lstStyle/>
-          <a:p>
-            <a:endParaRPr lang="es-CO"/>
           </a:p>
         </p:txBody>
       </p:sp>
@@ -7494,28 +7403,6 @@
           </a:p>
         </p:txBody>
       </p:sp>
-      <p:pic>
-        <p:nvPicPr>
-          <p:cNvPr id="5" name="Imagen 4"/>
-          <p:cNvPicPr/>
-          <p:nvPr/>
-        </p:nvPicPr>
-        <p:blipFill>
-          <a:blip r:embed="rId3"/>
-          <a:stretch>
-            <a:fillRect/>
-          </a:stretch>
-        </p:blipFill>
-        <p:spPr>
-          <a:xfrm>
-            <a:off x="5014047" y="881513"/>
-            <a:ext cx="3667125" cy="3895725"/>
-          </a:xfrm>
-          <a:prstGeom prst="rect">
-            <a:avLst/>
-          </a:prstGeom>
-        </p:spPr>
-      </p:pic>
       <p:sp>
         <p:nvSpPr>
           <p:cNvPr id="3" name="Rectángulo 2"/>
@@ -7525,7 +7412,7 @@
         <p:spPr>
           <a:xfrm>
             <a:off x="187035" y="1227891"/>
-            <a:ext cx="4374573" cy="3857787"/>
+            <a:ext cx="4374573" cy="2988190"/>
           </a:xfrm>
           <a:prstGeom prst="rect">
             <a:avLst/>
@@ -7551,9 +7438,27 @@
                 <a:ea typeface="Calibri" panose="020F0502020204030204" pitchFamily="34" charset="0"/>
                 <a:cs typeface="Times New Roman" panose="02020603050405020304" pitchFamily="18" charset="0"/>
               </a:rPr>
-              <a:t>Gerente de ventas: David Mateo González Grimaldos</a:t>
+              <a:t>Propuesta de valor: Se ofrece una configuración personalizada como solución a los problemas de telefonía y comunicación que puedan llegar a tener las empresas entre sus distintas sucursales o sedes, mejorando el acoplamiento y rendimiento del negocio, esta solución no solo está caracterizada por la excelencia bien conocida de los ingenieros de la Escuela Colombiana de ingeniería sino también por los precios razonables y accesibles del servicio, precio que incluye el mantenimiento y la instalación del producto.</a:t>
             </a:r>
-            <a:endParaRPr lang="es-CO" sz="1200" dirty="0">
+          </a:p>
+          <a:p>
+            <a:pPr>
+              <a:lnSpc>
+                <a:spcPct val="107000"/>
+              </a:lnSpc>
+              <a:spcAft>
+                <a:spcPts val="800"/>
+              </a:spcAft>
+            </a:pPr>
+            <a:r>
+              <a:rPr lang="es-CO" sz="1200" dirty="0">
+                <a:latin typeface="Times New Roman" panose="02020603050405020304" pitchFamily="18" charset="0"/>
+                <a:ea typeface="Calibri" panose="020F0502020204030204" pitchFamily="34" charset="0"/>
+                <a:cs typeface="Times New Roman" panose="02020603050405020304" pitchFamily="18" charset="0"/>
+              </a:rPr>
+              <a:t>Precio de venta incluyendo computadores: $47´159,984 COP.</a:t>
+            </a:r>
+            <a:endParaRPr lang="es-CO" sz="1100" dirty="0">
               <a:latin typeface="Calibri" panose="020F0502020204030204" pitchFamily="34" charset="0"/>
               <a:ea typeface="Calibri" panose="020F0502020204030204" pitchFamily="34" charset="0"/>
               <a:cs typeface="Times New Roman" panose="02020603050405020304" pitchFamily="18" charset="0"/>
@@ -7569,61 +7474,14 @@
               </a:spcAft>
             </a:pPr>
             <a:r>
-              <a:rPr lang="es-CO" dirty="0">
+              <a:rPr lang="es-CO" sz="1200" dirty="0">
                 <a:latin typeface="Times New Roman" panose="02020603050405020304" pitchFamily="18" charset="0"/>
                 <a:ea typeface="Calibri" panose="020F0502020204030204" pitchFamily="34" charset="0"/>
                 <a:cs typeface="Times New Roman" panose="02020603050405020304" pitchFamily="18" charset="0"/>
               </a:rPr>
-              <a:t>Precio de venta incluyendo computadores: $54,493.317 COP.</a:t>
+              <a:t>Precio de venta sin incluir computadores: $31´159,984 COP.</a:t>
             </a:r>
-            <a:endParaRPr lang="es-CO" sz="1200" dirty="0">
-              <a:latin typeface="Calibri" panose="020F0502020204030204" pitchFamily="34" charset="0"/>
-              <a:ea typeface="Calibri" panose="020F0502020204030204" pitchFamily="34" charset="0"/>
-              <a:cs typeface="Times New Roman" panose="02020603050405020304" pitchFamily="18" charset="0"/>
-            </a:endParaRPr>
-          </a:p>
-          <a:p>
-            <a:pPr>
-              <a:lnSpc>
-                <a:spcPct val="107000"/>
-              </a:lnSpc>
-              <a:spcAft>
-                <a:spcPts val="800"/>
-              </a:spcAft>
-            </a:pPr>
-            <a:r>
-              <a:rPr lang="es-CO" dirty="0">
-                <a:latin typeface="Times New Roman" panose="02020603050405020304" pitchFamily="18" charset="0"/>
-                <a:ea typeface="Calibri" panose="020F0502020204030204" pitchFamily="34" charset="0"/>
-                <a:cs typeface="Times New Roman" panose="02020603050405020304" pitchFamily="18" charset="0"/>
-              </a:rPr>
-              <a:t>Precio de venta sin incluir computadores: $38,493.317 COP.</a:t>
-            </a:r>
-            <a:endParaRPr lang="es-CO" sz="1200" dirty="0">
-              <a:latin typeface="Calibri" panose="020F0502020204030204" pitchFamily="34" charset="0"/>
-              <a:ea typeface="Calibri" panose="020F0502020204030204" pitchFamily="34" charset="0"/>
-              <a:cs typeface="Times New Roman" panose="02020603050405020304" pitchFamily="18" charset="0"/>
-            </a:endParaRPr>
-          </a:p>
-          <a:p>
-            <a:pPr>
-              <a:lnSpc>
-                <a:spcPct val="107000"/>
-              </a:lnSpc>
-              <a:spcAft>
-                <a:spcPts val="800"/>
-              </a:spcAft>
-            </a:pPr>
-            <a:r>
-              <a:rPr lang="es-CO" dirty="0">
-                <a:latin typeface="Times New Roman" panose="02020603050405020304" pitchFamily="18" charset="0"/>
-                <a:ea typeface="Calibri" panose="020F0502020204030204" pitchFamily="34" charset="0"/>
-                <a:cs typeface="Times New Roman" panose="02020603050405020304" pitchFamily="18" charset="0"/>
-              </a:rPr>
-              <a:t>Propuesta de valor: Se ofrece una configuración personalizada como solución a los problemas de telefonía y comunicación que puedan llegar a tener las empresas entre sus distintas sucursales o sedes, mejorando el acoplamiento y rendimiento del negocio, esta solución no solo está caracterizada por la excelencia bien conocida de los ingenieros de la Escuela Colombiana de ingeniería sino también por los precios razonables y accesibles del servicio, precio que incluye el mantenimiento y la instalación del producto.</a:t>
-            </a:r>
-            <a:endParaRPr lang="es-CO" sz="1200" dirty="0">
-              <a:effectLst/>
+            <a:endParaRPr lang="es-CO" sz="1100" dirty="0">
               <a:latin typeface="Calibri" panose="020F0502020204030204" pitchFamily="34" charset="0"/>
               <a:ea typeface="Calibri" panose="020F0502020204030204" pitchFamily="34" charset="0"/>
               <a:cs typeface="Times New Roman" panose="02020603050405020304" pitchFamily="18" charset="0"/>
@@ -7631,6 +7489,36 @@
           </a:p>
         </p:txBody>
       </p:sp>
+      <p:pic>
+        <p:nvPicPr>
+          <p:cNvPr id="4" name="Imagen 3">
+            <a:extLst>
+              <a:ext uri="{FF2B5EF4-FFF2-40B4-BE49-F238E27FC236}">
+                <a16:creationId xmlns:a16="http://schemas.microsoft.com/office/drawing/2014/main" id="{845B1E35-3439-40EE-AA80-6EC250F0CDE5}"/>
+              </a:ext>
+            </a:extLst>
+          </p:cNvPr>
+          <p:cNvPicPr>
+            <a:picLocks noChangeAspect="1"/>
+          </p:cNvPicPr>
+          <p:nvPr/>
+        </p:nvPicPr>
+        <p:blipFill>
+          <a:blip r:embed="rId3"/>
+          <a:stretch>
+            <a:fillRect/>
+          </a:stretch>
+        </p:blipFill>
+        <p:spPr>
+          <a:xfrm>
+            <a:off x="4561608" y="966218"/>
+            <a:ext cx="4012952" cy="3211064"/>
+          </a:xfrm>
+          <a:prstGeom prst="rect">
+            <a:avLst/>
+          </a:prstGeom>
+        </p:spPr>
+      </p:pic>
     </p:spTree>
   </p:cSld>
   <p:clrMapOvr>
